--- a/Case Study - Lending by Sunita Saraf.pptx
+++ b/Case Study - Lending by Sunita Saraf.pptx
@@ -1791,31 +1791,31 @@
     </dgm:pt>
   </dgm:ptLst>
   <dgm:cxnLst>
-    <dgm:cxn modelId="{E5567FEE-7803-475C-830A-7F5AF96EF670}" type="presOf" srcId="{0077A407-AF31-4E4B-ADC5-01EE984AE18F}" destId="{DB90073F-2185-47A1-B698-F12F814965C4}" srcOrd="0" destOrd="0" presId="urn:microsoft.com/office/officeart/2011/layout/CircleProcess"/>
     <dgm:cxn modelId="{BF9BF496-C5ED-4BEB-9AEF-BD6A25A24FC7}" srcId="{43AD8D62-DCC2-4CBE-83DA-9ECE1DD16F87}" destId="{971EEFAB-30DE-498D-B3A8-82613F1C2D33}" srcOrd="6" destOrd="0" parTransId="{831BB1E2-475A-4661-80C2-E40BF5D9E34B}" sibTransId="{DC4C381D-A777-4155-B913-2C8B4E3FAF59}"/>
-    <dgm:cxn modelId="{B5188FC5-5261-4A12-BECC-4D1AC234EF79}" type="presOf" srcId="{ECBC75CF-DEC3-4DA9-84A8-9303AC7D9D10}" destId="{D371DF48-5195-4C34-9CE8-BD5C936F68AC}" srcOrd="1" destOrd="0" presId="urn:microsoft.com/office/officeart/2011/layout/CircleProcess"/>
-    <dgm:cxn modelId="{9A0779CA-4D41-4212-8C44-91B77C1DB7F8}" type="presOf" srcId="{BC7CF13E-48E6-4CCA-985F-821B0ABFE0FE}" destId="{DB418493-11A7-4203-8111-DACEBAA162ED}" srcOrd="0" destOrd="0" presId="urn:microsoft.com/office/officeart/2011/layout/CircleProcess"/>
-    <dgm:cxn modelId="{72242018-7972-4E69-AEF9-9A5BA99745F3}" type="presOf" srcId="{87DB4B17-95EE-423D-941B-A5ABFE70FE2B}" destId="{AD9B1121-BF9C-4074-B3EC-DD8B1E34B145}" srcOrd="0" destOrd="0" presId="urn:microsoft.com/office/officeart/2011/layout/CircleProcess"/>
-    <dgm:cxn modelId="{D1E98775-222C-440C-924B-70ED60023C8D}" type="presOf" srcId="{314B2251-69F0-43B4-927D-418813C44B96}" destId="{14FE1DC8-1ACC-4C51-8D78-8809CE3D8ACB}" srcOrd="0" destOrd="0" presId="urn:microsoft.com/office/officeart/2011/layout/CircleProcess"/>
-    <dgm:cxn modelId="{B4BF3543-6501-43DA-BC9E-B1EE57DB5812}" type="presOf" srcId="{D615DE8F-9EE7-47E6-BDBC-27210AD6B66B}" destId="{841AED65-E331-4372-9B23-246A2376DD0E}" srcOrd="1" destOrd="0" presId="urn:microsoft.com/office/officeart/2011/layout/CircleProcess"/>
-    <dgm:cxn modelId="{65EB1EC0-379D-44EC-A3C9-CD65B13B6296}" type="presOf" srcId="{43AD8D62-DCC2-4CBE-83DA-9ECE1DD16F87}" destId="{9F8F8286-68C6-4549-9CBE-3C72908A6C10}" srcOrd="0" destOrd="0" presId="urn:microsoft.com/office/officeart/2011/layout/CircleProcess"/>
-    <dgm:cxn modelId="{A1D3634C-0FB6-45FC-A81E-15441E28A772}" type="presOf" srcId="{F1296084-4882-401E-BF04-7A0E3CF44B1C}" destId="{A07BB201-FE5F-4451-BFF1-64798F25C5C1}" srcOrd="0" destOrd="0" presId="urn:microsoft.com/office/officeart/2011/layout/CircleProcess"/>
+    <dgm:cxn modelId="{41483859-7EC2-47FD-8873-D0211E86361B}" srcId="{43AD8D62-DCC2-4CBE-83DA-9ECE1DD16F87}" destId="{314B2251-69F0-43B4-927D-418813C44B96}" srcOrd="3" destOrd="0" parTransId="{66BD682B-36D3-4FEF-AE57-8B827B34D16F}" sibTransId="{C71F0CFE-253F-489E-BCB6-6E1A5CB619F6}"/>
     <dgm:cxn modelId="{E18A9305-91A0-4FB8-AD46-D74A4ADB56EF}" srcId="{43AD8D62-DCC2-4CBE-83DA-9ECE1DD16F87}" destId="{ECBC75CF-DEC3-4DA9-84A8-9303AC7D9D10}" srcOrd="5" destOrd="0" parTransId="{CF68D833-C8E6-4F3B-9898-BC9BF11A2A15}" sibTransId="{A7208B2A-6D36-4886-AAC4-D9BEA8EE8562}"/>
-    <dgm:cxn modelId="{9F5B7053-8F24-40A5-AD33-81E0947D25E1}" srcId="{43AD8D62-DCC2-4CBE-83DA-9ECE1DD16F87}" destId="{D615DE8F-9EE7-47E6-BDBC-27210AD6B66B}" srcOrd="2" destOrd="0" parTransId="{93A51C8E-9C62-4136-99E6-002C03381813}" sibTransId="{925F4C72-E967-493B-AA5D-FFDD838D902E}"/>
     <dgm:cxn modelId="{30E10D1F-8E26-4D10-9BB8-4DD58F13C835}" type="presOf" srcId="{BC7CF13E-48E6-4CCA-985F-821B0ABFE0FE}" destId="{035DCACE-955D-425D-99A7-051BCD2BF7DB}" srcOrd="1" destOrd="0" presId="urn:microsoft.com/office/officeart/2011/layout/CircleProcess"/>
     <dgm:cxn modelId="{A2111BDA-1532-41C6-AD2B-E1987CE9F0D7}" srcId="{43AD8D62-DCC2-4CBE-83DA-9ECE1DD16F87}" destId="{87DB4B17-95EE-423D-941B-A5ABFE70FE2B}" srcOrd="4" destOrd="0" parTransId="{1D9AAF4C-1387-44E7-A6C0-0A93176EFBB8}" sibTransId="{263236C4-7DF2-4631-AE1E-B8B876BEE81E}"/>
-    <dgm:cxn modelId="{41483859-7EC2-47FD-8873-D0211E86361B}" srcId="{43AD8D62-DCC2-4CBE-83DA-9ECE1DD16F87}" destId="{314B2251-69F0-43B4-927D-418813C44B96}" srcOrd="3" destOrd="0" parTransId="{66BD682B-36D3-4FEF-AE57-8B827B34D16F}" sibTransId="{C71F0CFE-253F-489E-BCB6-6E1A5CB619F6}"/>
+    <dgm:cxn modelId="{36C641BD-F7DF-4DF1-A839-109834998E69}" srcId="{43AD8D62-DCC2-4CBE-83DA-9ECE1DD16F87}" destId="{BC7CF13E-48E6-4CCA-985F-821B0ABFE0FE}" srcOrd="0" destOrd="0" parTransId="{7E05918B-0526-4AEB-86B4-EDB04684C6CF}" sibTransId="{FB666919-084D-4327-91C2-7C35021E6529}"/>
+    <dgm:cxn modelId="{72242018-7972-4E69-AEF9-9A5BA99745F3}" type="presOf" srcId="{87DB4B17-95EE-423D-941B-A5ABFE70FE2B}" destId="{AD9B1121-BF9C-4074-B3EC-DD8B1E34B145}" srcOrd="0" destOrd="0" presId="urn:microsoft.com/office/officeart/2011/layout/CircleProcess"/>
+    <dgm:cxn modelId="{23366171-16EF-4907-BBD4-5AAC46AE0A79}" type="presOf" srcId="{971EEFAB-30DE-498D-B3A8-82613F1C2D33}" destId="{1A3E8D9D-0156-4E84-9321-718F9489C3A4}" srcOrd="1" destOrd="0" presId="urn:microsoft.com/office/officeart/2011/layout/CircleProcess"/>
+    <dgm:cxn modelId="{2F45672E-3E86-4173-9623-90BBA48FB1B4}" srcId="{43AD8D62-DCC2-4CBE-83DA-9ECE1DD16F87}" destId="{F1296084-4882-401E-BF04-7A0E3CF44B1C}" srcOrd="1" destOrd="0" parTransId="{9888371B-4A5C-4157-B290-CBDB07B56775}" sibTransId="{1FB5C5A0-6E9E-4CCE-ABDE-AB89BBAF169A}"/>
+    <dgm:cxn modelId="{9A0779CA-4D41-4212-8C44-91B77C1DB7F8}" type="presOf" srcId="{BC7CF13E-48E6-4CCA-985F-821B0ABFE0FE}" destId="{DB418493-11A7-4203-8111-DACEBAA162ED}" srcOrd="0" destOrd="0" presId="urn:microsoft.com/office/officeart/2011/layout/CircleProcess"/>
+    <dgm:cxn modelId="{A1D3634C-0FB6-45FC-A81E-15441E28A772}" type="presOf" srcId="{F1296084-4882-401E-BF04-7A0E3CF44B1C}" destId="{A07BB201-FE5F-4451-BFF1-64798F25C5C1}" srcOrd="0" destOrd="0" presId="urn:microsoft.com/office/officeart/2011/layout/CircleProcess"/>
+    <dgm:cxn modelId="{318C816E-2722-4077-BD57-FA048A629D19}" type="presOf" srcId="{ECBC75CF-DEC3-4DA9-84A8-9303AC7D9D10}" destId="{66F3890C-83D3-4C43-9938-3E5E482DE637}" srcOrd="0" destOrd="0" presId="urn:microsoft.com/office/officeart/2011/layout/CircleProcess"/>
+    <dgm:cxn modelId="{B5188FC5-5261-4A12-BECC-4D1AC234EF79}" type="presOf" srcId="{ECBC75CF-DEC3-4DA9-84A8-9303AC7D9D10}" destId="{D371DF48-5195-4C34-9CE8-BD5C936F68AC}" srcOrd="1" destOrd="0" presId="urn:microsoft.com/office/officeart/2011/layout/CircleProcess"/>
+    <dgm:cxn modelId="{B4BF3543-6501-43DA-BC9E-B1EE57DB5812}" type="presOf" srcId="{D615DE8F-9EE7-47E6-BDBC-27210AD6B66B}" destId="{841AED65-E331-4372-9B23-246A2376DD0E}" srcOrd="1" destOrd="0" presId="urn:microsoft.com/office/officeart/2011/layout/CircleProcess"/>
+    <dgm:cxn modelId="{83E4F284-6762-4A50-8235-7D581EC239F9}" type="presOf" srcId="{87DB4B17-95EE-423D-941B-A5ABFE70FE2B}" destId="{47E3129D-31DE-4A9C-BCFC-F76EC5BD009C}" srcOrd="1" destOrd="0" presId="urn:microsoft.com/office/officeart/2011/layout/CircleProcess"/>
     <dgm:cxn modelId="{E064EA00-E0DE-45E9-BE9D-98B715DBDDFB}" srcId="{43AD8D62-DCC2-4CBE-83DA-9ECE1DD16F87}" destId="{0077A407-AF31-4E4B-ADC5-01EE984AE18F}" srcOrd="7" destOrd="0" parTransId="{4B2F5796-0038-454F-AB7E-2B9557BD4003}" sibTransId="{A4E73DA2-2320-4163-8227-C40ED6F745F1}"/>
     <dgm:cxn modelId="{02F95534-A2BD-420B-B949-27547AAD3692}" type="presOf" srcId="{314B2251-69F0-43B4-927D-418813C44B96}" destId="{02216165-2620-4547-AD38-089AA80A0292}" srcOrd="1" destOrd="0" presId="urn:microsoft.com/office/officeart/2011/layout/CircleProcess"/>
+    <dgm:cxn modelId="{65EB1EC0-379D-44EC-A3C9-CD65B13B6296}" type="presOf" srcId="{43AD8D62-DCC2-4CBE-83DA-9ECE1DD16F87}" destId="{9F8F8286-68C6-4549-9CBE-3C72908A6C10}" srcOrd="0" destOrd="0" presId="urn:microsoft.com/office/officeart/2011/layout/CircleProcess"/>
+    <dgm:cxn modelId="{D1E98775-222C-440C-924B-70ED60023C8D}" type="presOf" srcId="{314B2251-69F0-43B4-927D-418813C44B96}" destId="{14FE1DC8-1ACC-4C51-8D78-8809CE3D8ACB}" srcOrd="0" destOrd="0" presId="urn:microsoft.com/office/officeart/2011/layout/CircleProcess"/>
+    <dgm:cxn modelId="{9F5B7053-8F24-40A5-AD33-81E0947D25E1}" srcId="{43AD8D62-DCC2-4CBE-83DA-9ECE1DD16F87}" destId="{D615DE8F-9EE7-47E6-BDBC-27210AD6B66B}" srcOrd="2" destOrd="0" parTransId="{93A51C8E-9C62-4136-99E6-002C03381813}" sibTransId="{925F4C72-E967-493B-AA5D-FFDD838D902E}"/>
+    <dgm:cxn modelId="{341A2AED-B3C5-4E70-8BFB-F41E1B314855}" type="presOf" srcId="{F1296084-4882-401E-BF04-7A0E3CF44B1C}" destId="{A62FE234-898D-4084-AD56-85E70D2C2E0F}" srcOrd="1" destOrd="0" presId="urn:microsoft.com/office/officeart/2011/layout/CircleProcess"/>
+    <dgm:cxn modelId="{0B807584-A1D5-4398-8474-F5783404DD78}" type="presOf" srcId="{D615DE8F-9EE7-47E6-BDBC-27210AD6B66B}" destId="{8E0A8684-00A6-4A21-A804-575A7B187691}" srcOrd="0" destOrd="0" presId="urn:microsoft.com/office/officeart/2011/layout/CircleProcess"/>
     <dgm:cxn modelId="{2D99DEB7-AB0F-4ABA-82FC-26E2D7E26FC3}" type="presOf" srcId="{0077A407-AF31-4E4B-ADC5-01EE984AE18F}" destId="{C38C5FBA-DADB-4A87-84C6-839503B62D23}" srcOrd="1" destOrd="0" presId="urn:microsoft.com/office/officeart/2011/layout/CircleProcess"/>
-    <dgm:cxn modelId="{36C641BD-F7DF-4DF1-A839-109834998E69}" srcId="{43AD8D62-DCC2-4CBE-83DA-9ECE1DD16F87}" destId="{BC7CF13E-48E6-4CCA-985F-821B0ABFE0FE}" srcOrd="0" destOrd="0" parTransId="{7E05918B-0526-4AEB-86B4-EDB04684C6CF}" sibTransId="{FB666919-084D-4327-91C2-7C35021E6529}"/>
-    <dgm:cxn modelId="{2F45672E-3E86-4173-9623-90BBA48FB1B4}" srcId="{43AD8D62-DCC2-4CBE-83DA-9ECE1DD16F87}" destId="{F1296084-4882-401E-BF04-7A0E3CF44B1C}" srcOrd="1" destOrd="0" parTransId="{9888371B-4A5C-4157-B290-CBDB07B56775}" sibTransId="{1FB5C5A0-6E9E-4CCE-ABDE-AB89BBAF169A}"/>
-    <dgm:cxn modelId="{341A2AED-B3C5-4E70-8BFB-F41E1B314855}" type="presOf" srcId="{F1296084-4882-401E-BF04-7A0E3CF44B1C}" destId="{A62FE234-898D-4084-AD56-85E70D2C2E0F}" srcOrd="1" destOrd="0" presId="urn:microsoft.com/office/officeart/2011/layout/CircleProcess"/>
-    <dgm:cxn modelId="{23366171-16EF-4907-BBD4-5AAC46AE0A79}" type="presOf" srcId="{971EEFAB-30DE-498D-B3A8-82613F1C2D33}" destId="{1A3E8D9D-0156-4E84-9321-718F9489C3A4}" srcOrd="1" destOrd="0" presId="urn:microsoft.com/office/officeart/2011/layout/CircleProcess"/>
-    <dgm:cxn modelId="{318C816E-2722-4077-BD57-FA048A629D19}" type="presOf" srcId="{ECBC75CF-DEC3-4DA9-84A8-9303AC7D9D10}" destId="{66F3890C-83D3-4C43-9938-3E5E482DE637}" srcOrd="0" destOrd="0" presId="urn:microsoft.com/office/officeart/2011/layout/CircleProcess"/>
-    <dgm:cxn modelId="{0B807584-A1D5-4398-8474-F5783404DD78}" type="presOf" srcId="{D615DE8F-9EE7-47E6-BDBC-27210AD6B66B}" destId="{8E0A8684-00A6-4A21-A804-575A7B187691}" srcOrd="0" destOrd="0" presId="urn:microsoft.com/office/officeart/2011/layout/CircleProcess"/>
-    <dgm:cxn modelId="{83E4F284-6762-4A50-8235-7D581EC239F9}" type="presOf" srcId="{87DB4B17-95EE-423D-941B-A5ABFE70FE2B}" destId="{47E3129D-31DE-4A9C-BCFC-F76EC5BD009C}" srcOrd="1" destOrd="0" presId="urn:microsoft.com/office/officeart/2011/layout/CircleProcess"/>
     <dgm:cxn modelId="{AD98CE73-02B8-4B16-8D56-B6DE7B39301E}" type="presOf" srcId="{971EEFAB-30DE-498D-B3A8-82613F1C2D33}" destId="{3BE64DAB-3AC6-4A3B-A1E2-9E92E31E6FA5}" srcOrd="0" destOrd="0" presId="urn:microsoft.com/office/officeart/2011/layout/CircleProcess"/>
+    <dgm:cxn modelId="{E5567FEE-7803-475C-830A-7F5AF96EF670}" type="presOf" srcId="{0077A407-AF31-4E4B-ADC5-01EE984AE18F}" destId="{DB90073F-2185-47A1-B698-F12F814965C4}" srcOrd="0" destOrd="0" presId="urn:microsoft.com/office/officeart/2011/layout/CircleProcess"/>
     <dgm:cxn modelId="{0D3528A1-A51C-41D4-867D-E3DC83291C5A}" type="presParOf" srcId="{9F8F8286-68C6-4549-9CBE-3C72908A6C10}" destId="{78BA1824-6AEB-415F-9133-28B03579978C}" srcOrd="0" destOrd="0" presId="urn:microsoft.com/office/officeart/2011/layout/CircleProcess"/>
     <dgm:cxn modelId="{406FB39F-879A-4DC3-B4EF-1B7373F67454}" type="presParOf" srcId="{78BA1824-6AEB-415F-9133-28B03579978C}" destId="{D7382D3E-6F29-4974-8F9D-8075582475C6}" srcOrd="0" destOrd="0" presId="urn:microsoft.com/office/officeart/2011/layout/CircleProcess"/>
     <dgm:cxn modelId="{53D1813D-CF15-4464-B4D4-3B7EC5E85DDC}" type="presParOf" srcId="{9F8F8286-68C6-4549-9CBE-3C72908A6C10}" destId="{5B006B3B-C292-4C75-B336-BEFEFECE744D}" srcOrd="1" destOrd="0" presId="urn:microsoft.com/office/officeart/2011/layout/CircleProcess"/>
@@ -12886,7 +12886,29 @@
                   </a:schemeClr>
                 </a:solidFill>
               </a:rPr>
-              <a:t>Observation for </a:t>
+              <a:t>Below </a:t>
+            </a:r>
+            <a:r>
+              <a:rPr lang="en-US" sz="2000" smtClean="0">
+                <a:solidFill>
+                  <a:schemeClr val="tx1">
+                    <a:lumMod val="75000"/>
+                    <a:lumOff val="25000"/>
+                  </a:schemeClr>
+                </a:solidFill>
+              </a:rPr>
+              <a:t>are the Observation </a:t>
+            </a:r>
+            <a:r>
+              <a:rPr lang="en-US" sz="2000" dirty="0" smtClean="0">
+                <a:solidFill>
+                  <a:schemeClr val="tx1">
+                    <a:lumMod val="75000"/>
+                    <a:lumOff val="25000"/>
+                  </a:schemeClr>
+                </a:solidFill>
+              </a:rPr>
+              <a:t>for </a:t>
             </a:r>
             <a:r>
               <a:rPr lang="en-US" sz="2000" dirty="0">
